--- a/H班企画書.pptx
+++ b/H班企画書.pptx
@@ -1079,7 +1079,7 @@
           <a:p>
             <a:fld id="{794EA888-EA87-41C1-80CA-4E6449FE036D}" type="datetimeFigureOut">
               <a:rPr kumimoji="1" lang="ja-JP" altLang="en-US" smtClean="0"/>
-              <a:t>2024/10/15</a:t>
+              <a:t>2024/10/16</a:t>
             </a:fld>
             <a:endParaRPr kumimoji="1" lang="ja-JP" altLang="en-US"/>
           </a:p>
@@ -1330,7 +1330,7 @@
           <a:p>
             <a:fld id="{794EA888-EA87-41C1-80CA-4E6449FE036D}" type="datetimeFigureOut">
               <a:rPr kumimoji="1" lang="ja-JP" altLang="en-US" smtClean="0"/>
-              <a:t>2024/10/15</a:t>
+              <a:t>2024/10/16</a:t>
             </a:fld>
             <a:endParaRPr kumimoji="1" lang="ja-JP" altLang="en-US"/>
           </a:p>
@@ -1644,7 +1644,7 @@
           <a:p>
             <a:fld id="{794EA888-EA87-41C1-80CA-4E6449FE036D}" type="datetimeFigureOut">
               <a:rPr kumimoji="1" lang="ja-JP" altLang="en-US" smtClean="0"/>
-              <a:t>2024/10/15</a:t>
+              <a:t>2024/10/16</a:t>
             </a:fld>
             <a:endParaRPr kumimoji="1" lang="ja-JP" altLang="en-US"/>
           </a:p>
@@ -1985,7 +1985,7 @@
           <a:p>
             <a:fld id="{794EA888-EA87-41C1-80CA-4E6449FE036D}" type="datetimeFigureOut">
               <a:rPr kumimoji="1" lang="ja-JP" altLang="en-US" smtClean="0"/>
-              <a:t>2024/10/15</a:t>
+              <a:t>2024/10/16</a:t>
             </a:fld>
             <a:endParaRPr kumimoji="1" lang="ja-JP" altLang="en-US"/>
           </a:p>
@@ -2299,7 +2299,7 @@
           <a:p>
             <a:fld id="{794EA888-EA87-41C1-80CA-4E6449FE036D}" type="datetimeFigureOut">
               <a:rPr kumimoji="1" lang="ja-JP" altLang="en-US" smtClean="0"/>
-              <a:t>2024/10/15</a:t>
+              <a:t>2024/10/16</a:t>
             </a:fld>
             <a:endParaRPr kumimoji="1" lang="ja-JP" altLang="en-US"/>
           </a:p>
@@ -2692,7 +2692,7 @@
           <a:p>
             <a:fld id="{794EA888-EA87-41C1-80CA-4E6449FE036D}" type="datetimeFigureOut">
               <a:rPr kumimoji="1" lang="ja-JP" altLang="en-US" smtClean="0"/>
-              <a:t>2024/10/15</a:t>
+              <a:t>2024/10/16</a:t>
             </a:fld>
             <a:endParaRPr kumimoji="1" lang="ja-JP" altLang="en-US"/>
           </a:p>
@@ -2894,7 +2894,7 @@
           <a:p>
             <a:fld id="{794EA888-EA87-41C1-80CA-4E6449FE036D}" type="datetimeFigureOut">
               <a:rPr kumimoji="1" lang="ja-JP" altLang="en-US" smtClean="0"/>
-              <a:t>2024/10/15</a:t>
+              <a:t>2024/10/16</a:t>
             </a:fld>
             <a:endParaRPr kumimoji="1" lang="ja-JP" altLang="en-US"/>
           </a:p>
@@ -3106,7 +3106,7 @@
           <a:p>
             <a:fld id="{794EA888-EA87-41C1-80CA-4E6449FE036D}" type="datetimeFigureOut">
               <a:rPr kumimoji="1" lang="ja-JP" altLang="en-US" smtClean="0"/>
-              <a:t>2024/10/15</a:t>
+              <a:t>2024/10/16</a:t>
             </a:fld>
             <a:endParaRPr kumimoji="1" lang="ja-JP" altLang="en-US"/>
           </a:p>
@@ -3314,7 +3314,7 @@
           <a:p>
             <a:fld id="{794EA888-EA87-41C1-80CA-4E6449FE036D}" type="datetimeFigureOut">
               <a:rPr kumimoji="1" lang="ja-JP" altLang="en-US" smtClean="0"/>
-              <a:t>2024/10/15</a:t>
+              <a:t>2024/10/16</a:t>
             </a:fld>
             <a:endParaRPr kumimoji="1" lang="ja-JP" altLang="en-US"/>
           </a:p>
@@ -3561,7 +3561,7 @@
           <a:p>
             <a:fld id="{794EA888-EA87-41C1-80CA-4E6449FE036D}" type="datetimeFigureOut">
               <a:rPr kumimoji="1" lang="ja-JP" altLang="en-US" smtClean="0"/>
-              <a:t>2024/10/15</a:t>
+              <a:t>2024/10/16</a:t>
             </a:fld>
             <a:endParaRPr kumimoji="1" lang="ja-JP" altLang="en-US"/>
           </a:p>
@@ -3857,7 +3857,7 @@
           <a:p>
             <a:fld id="{794EA888-EA87-41C1-80CA-4E6449FE036D}" type="datetimeFigureOut">
               <a:rPr kumimoji="1" lang="ja-JP" altLang="en-US" smtClean="0"/>
-              <a:t>2024/10/15</a:t>
+              <a:t>2024/10/16</a:t>
             </a:fld>
             <a:endParaRPr kumimoji="1" lang="ja-JP" altLang="en-US"/>
           </a:p>
@@ -4295,7 +4295,7 @@
           <a:p>
             <a:fld id="{794EA888-EA87-41C1-80CA-4E6449FE036D}" type="datetimeFigureOut">
               <a:rPr kumimoji="1" lang="ja-JP" altLang="en-US" smtClean="0"/>
-              <a:t>2024/10/15</a:t>
+              <a:t>2024/10/16</a:t>
             </a:fld>
             <a:endParaRPr kumimoji="1" lang="ja-JP" altLang="en-US"/>
           </a:p>
@@ -4418,7 +4418,7 @@
           <a:p>
             <a:fld id="{794EA888-EA87-41C1-80CA-4E6449FE036D}" type="datetimeFigureOut">
               <a:rPr kumimoji="1" lang="ja-JP" altLang="en-US" smtClean="0"/>
-              <a:t>2024/10/15</a:t>
+              <a:t>2024/10/16</a:t>
             </a:fld>
             <a:endParaRPr kumimoji="1" lang="ja-JP" altLang="en-US"/>
           </a:p>
@@ -4513,7 +4513,7 @@
           <a:p>
             <a:fld id="{794EA888-EA87-41C1-80CA-4E6449FE036D}" type="datetimeFigureOut">
               <a:rPr kumimoji="1" lang="ja-JP" altLang="en-US" smtClean="0"/>
-              <a:t>2024/10/15</a:t>
+              <a:t>2024/10/16</a:t>
             </a:fld>
             <a:endParaRPr kumimoji="1" lang="ja-JP" altLang="en-US"/>
           </a:p>
@@ -4800,7 +4800,7 @@
           <a:p>
             <a:fld id="{794EA888-EA87-41C1-80CA-4E6449FE036D}" type="datetimeFigureOut">
               <a:rPr kumimoji="1" lang="ja-JP" altLang="en-US" smtClean="0"/>
-              <a:t>2024/10/15</a:t>
+              <a:t>2024/10/16</a:t>
             </a:fld>
             <a:endParaRPr kumimoji="1" lang="ja-JP" altLang="en-US"/>
           </a:p>
@@ -5063,7 +5063,7 @@
           <a:p>
             <a:fld id="{794EA888-EA87-41C1-80CA-4E6449FE036D}" type="datetimeFigureOut">
               <a:rPr kumimoji="1" lang="ja-JP" altLang="en-US" smtClean="0"/>
-              <a:t>2024/10/15</a:t>
+              <a:t>2024/10/16</a:t>
             </a:fld>
             <a:endParaRPr kumimoji="1" lang="ja-JP" altLang="en-US"/>
           </a:p>
@@ -5838,7 +5838,7 @@
           <a:p>
             <a:fld id="{794EA888-EA87-41C1-80CA-4E6449FE036D}" type="datetimeFigureOut">
               <a:rPr kumimoji="1" lang="ja-JP" altLang="en-US" smtClean="0"/>
-              <a:t>2024/10/15</a:t>
+              <a:t>2024/10/16</a:t>
             </a:fld>
             <a:endParaRPr kumimoji="1" lang="ja-JP" altLang="en-US"/>
           </a:p>
@@ -6427,6 +6427,13 @@
   <p:clrMapOvr>
     <a:masterClrMapping/>
   </p:clrMapOvr>
+  <p:timing>
+    <p:tnLst>
+      <p:par>
+        <p:cTn id="1" dur="indefinite" restart="never" nodeType="tmRoot"/>
+      </p:par>
+    </p:tnLst>
+  </p:timing>
 </p:sld>
 </file>
 
@@ -6782,6 +6789,484 @@
   <p:clrMapOvr>
     <a:masterClrMapping/>
   </p:clrMapOvr>
+  <p:timing>
+    <p:tnLst>
+      <p:par>
+        <p:cTn id="1" dur="indefinite" restart="never" nodeType="tmRoot">
+          <p:childTnLst>
+            <p:seq concurrent="1" nextAc="seek">
+              <p:cTn id="2" dur="indefinite" nodeType="mainSeq">
+                <p:childTnLst>
+                  <p:par>
+                    <p:cTn id="3" fill="hold">
+                      <p:stCondLst>
+                        <p:cond delay="indefinite"/>
+                      </p:stCondLst>
+                      <p:childTnLst>
+                        <p:par>
+                          <p:cTn id="4" fill="hold">
+                            <p:stCondLst>
+                              <p:cond delay="0"/>
+                            </p:stCondLst>
+                            <p:childTnLst>
+                              <p:par>
+                                <p:cTn id="5" presetID="42" presetClass="entr" presetSubtype="0" fill="hold" grpId="0" nodeType="clickEffect">
+                                  <p:stCondLst>
+                                    <p:cond delay="0"/>
+                                  </p:stCondLst>
+                                  <p:childTnLst>
+                                    <p:set>
+                                      <p:cBhvr>
+                                        <p:cTn id="6" dur="1" fill="hold">
+                                          <p:stCondLst>
+                                            <p:cond delay="0"/>
+                                          </p:stCondLst>
+                                        </p:cTn>
+                                        <p:tgtEl>
+                                          <p:spTgt spid="9"/>
+                                        </p:tgtEl>
+                                        <p:attrNameLst>
+                                          <p:attrName>style.visibility</p:attrName>
+                                        </p:attrNameLst>
+                                      </p:cBhvr>
+                                      <p:to>
+                                        <p:strVal val="visible"/>
+                                      </p:to>
+                                    </p:set>
+                                    <p:animEffect transition="in" filter="fade">
+                                      <p:cBhvr>
+                                        <p:cTn id="7" dur="1000"/>
+                                        <p:tgtEl>
+                                          <p:spTgt spid="9"/>
+                                        </p:tgtEl>
+                                      </p:cBhvr>
+                                    </p:animEffect>
+                                    <p:anim calcmode="lin" valueType="num">
+                                      <p:cBhvr>
+                                        <p:cTn id="8" dur="1000" fill="hold"/>
+                                        <p:tgtEl>
+                                          <p:spTgt spid="9"/>
+                                        </p:tgtEl>
+                                        <p:attrNameLst>
+                                          <p:attrName>ppt_x</p:attrName>
+                                        </p:attrNameLst>
+                                      </p:cBhvr>
+                                      <p:tavLst>
+                                        <p:tav tm="0">
+                                          <p:val>
+                                            <p:strVal val="#ppt_x"/>
+                                          </p:val>
+                                        </p:tav>
+                                        <p:tav tm="100000">
+                                          <p:val>
+                                            <p:strVal val="#ppt_x"/>
+                                          </p:val>
+                                        </p:tav>
+                                      </p:tavLst>
+                                    </p:anim>
+                                    <p:anim calcmode="lin" valueType="num">
+                                      <p:cBhvr>
+                                        <p:cTn id="9" dur="1000" fill="hold"/>
+                                        <p:tgtEl>
+                                          <p:spTgt spid="9"/>
+                                        </p:tgtEl>
+                                        <p:attrNameLst>
+                                          <p:attrName>ppt_y</p:attrName>
+                                        </p:attrNameLst>
+                                      </p:cBhvr>
+                                      <p:tavLst>
+                                        <p:tav tm="0">
+                                          <p:val>
+                                            <p:strVal val="#ppt_y+.1"/>
+                                          </p:val>
+                                        </p:tav>
+                                        <p:tav tm="100000">
+                                          <p:val>
+                                            <p:strVal val="#ppt_y"/>
+                                          </p:val>
+                                        </p:tav>
+                                      </p:tavLst>
+                                    </p:anim>
+                                  </p:childTnLst>
+                                </p:cTn>
+                              </p:par>
+                            </p:childTnLst>
+                          </p:cTn>
+                        </p:par>
+                      </p:childTnLst>
+                    </p:cTn>
+                  </p:par>
+                  <p:par>
+                    <p:cTn id="10" fill="hold">
+                      <p:stCondLst>
+                        <p:cond delay="indefinite"/>
+                      </p:stCondLst>
+                      <p:childTnLst>
+                        <p:par>
+                          <p:cTn id="11" fill="hold">
+                            <p:stCondLst>
+                              <p:cond delay="0"/>
+                            </p:stCondLst>
+                            <p:childTnLst>
+                              <p:par>
+                                <p:cTn id="12" presetID="22" presetClass="entr" presetSubtype="8" fill="hold" grpId="0" nodeType="clickEffect">
+                                  <p:stCondLst>
+                                    <p:cond delay="0"/>
+                                  </p:stCondLst>
+                                  <p:childTnLst>
+                                    <p:set>
+                                      <p:cBhvr>
+                                        <p:cTn id="13" dur="1" fill="hold">
+                                          <p:stCondLst>
+                                            <p:cond delay="0"/>
+                                          </p:stCondLst>
+                                        </p:cTn>
+                                        <p:tgtEl>
+                                          <p:spTgt spid="10"/>
+                                        </p:tgtEl>
+                                        <p:attrNameLst>
+                                          <p:attrName>style.visibility</p:attrName>
+                                        </p:attrNameLst>
+                                      </p:cBhvr>
+                                      <p:to>
+                                        <p:strVal val="visible"/>
+                                      </p:to>
+                                    </p:set>
+                                    <p:animEffect transition="in" filter="wipe(left)">
+                                      <p:cBhvr>
+                                        <p:cTn id="14" dur="500"/>
+                                        <p:tgtEl>
+                                          <p:spTgt spid="10"/>
+                                        </p:tgtEl>
+                                      </p:cBhvr>
+                                    </p:animEffect>
+                                  </p:childTnLst>
+                                </p:cTn>
+                              </p:par>
+                            </p:childTnLst>
+                          </p:cTn>
+                        </p:par>
+                      </p:childTnLst>
+                    </p:cTn>
+                  </p:par>
+                  <p:par>
+                    <p:cTn id="15" fill="hold">
+                      <p:stCondLst>
+                        <p:cond delay="indefinite"/>
+                      </p:stCondLst>
+                      <p:childTnLst>
+                        <p:par>
+                          <p:cTn id="16" fill="hold">
+                            <p:stCondLst>
+                              <p:cond delay="0"/>
+                            </p:stCondLst>
+                            <p:childTnLst>
+                              <p:par>
+                                <p:cTn id="17" presetID="16" presetClass="entr" presetSubtype="37" fill="hold" grpId="0" nodeType="clickEffect">
+                                  <p:stCondLst>
+                                    <p:cond delay="0"/>
+                                  </p:stCondLst>
+                                  <p:childTnLst>
+                                    <p:set>
+                                      <p:cBhvr>
+                                        <p:cTn id="18" dur="1" fill="hold">
+                                          <p:stCondLst>
+                                            <p:cond delay="0"/>
+                                          </p:stCondLst>
+                                        </p:cTn>
+                                        <p:tgtEl>
+                                          <p:spTgt spid="5"/>
+                                        </p:tgtEl>
+                                        <p:attrNameLst>
+                                          <p:attrName>style.visibility</p:attrName>
+                                        </p:attrNameLst>
+                                      </p:cBhvr>
+                                      <p:to>
+                                        <p:strVal val="visible"/>
+                                      </p:to>
+                                    </p:set>
+                                    <p:animEffect transition="in" filter="barn(outVertical)">
+                                      <p:cBhvr>
+                                        <p:cTn id="19" dur="500"/>
+                                        <p:tgtEl>
+                                          <p:spTgt spid="5"/>
+                                        </p:tgtEl>
+                                      </p:cBhvr>
+                                    </p:animEffect>
+                                  </p:childTnLst>
+                                </p:cTn>
+                              </p:par>
+                            </p:childTnLst>
+                          </p:cTn>
+                        </p:par>
+                      </p:childTnLst>
+                    </p:cTn>
+                  </p:par>
+                  <p:par>
+                    <p:cTn id="20" fill="hold">
+                      <p:stCondLst>
+                        <p:cond delay="indefinite"/>
+                      </p:stCondLst>
+                      <p:childTnLst>
+                        <p:par>
+                          <p:cTn id="21" fill="hold">
+                            <p:stCondLst>
+                              <p:cond delay="0"/>
+                            </p:stCondLst>
+                            <p:childTnLst>
+                              <p:par>
+                                <p:cTn id="22" presetID="22" presetClass="entr" presetSubtype="8" fill="hold" grpId="0" nodeType="clickEffect">
+                                  <p:stCondLst>
+                                    <p:cond delay="0"/>
+                                  </p:stCondLst>
+                                  <p:childTnLst>
+                                    <p:set>
+                                      <p:cBhvr>
+                                        <p:cTn id="23" dur="1" fill="hold">
+                                          <p:stCondLst>
+                                            <p:cond delay="0"/>
+                                          </p:stCondLst>
+                                        </p:cTn>
+                                        <p:tgtEl>
+                                          <p:spTgt spid="2"/>
+                                        </p:tgtEl>
+                                        <p:attrNameLst>
+                                          <p:attrName>style.visibility</p:attrName>
+                                        </p:attrNameLst>
+                                      </p:cBhvr>
+                                      <p:to>
+                                        <p:strVal val="visible"/>
+                                      </p:to>
+                                    </p:set>
+                                    <p:animEffect transition="in" filter="wipe(left)">
+                                      <p:cBhvr>
+                                        <p:cTn id="24" dur="500"/>
+                                        <p:tgtEl>
+                                          <p:spTgt spid="2"/>
+                                        </p:tgtEl>
+                                      </p:cBhvr>
+                                    </p:animEffect>
+                                  </p:childTnLst>
+                                </p:cTn>
+                              </p:par>
+                            </p:childTnLst>
+                          </p:cTn>
+                        </p:par>
+                      </p:childTnLst>
+                    </p:cTn>
+                  </p:par>
+                  <p:par>
+                    <p:cTn id="25" fill="hold">
+                      <p:stCondLst>
+                        <p:cond delay="indefinite"/>
+                      </p:stCondLst>
+                      <p:childTnLst>
+                        <p:par>
+                          <p:cTn id="26" fill="hold">
+                            <p:stCondLst>
+                              <p:cond delay="0"/>
+                            </p:stCondLst>
+                            <p:childTnLst>
+                              <p:par>
+                                <p:cTn id="27" presetID="2" presetClass="entr" presetSubtype="8" fill="hold" grpId="0" nodeType="clickEffect">
+                                  <p:stCondLst>
+                                    <p:cond delay="0"/>
+                                  </p:stCondLst>
+                                  <p:childTnLst>
+                                    <p:set>
+                                      <p:cBhvr>
+                                        <p:cTn id="28" dur="1" fill="hold">
+                                          <p:stCondLst>
+                                            <p:cond delay="0"/>
+                                          </p:stCondLst>
+                                        </p:cTn>
+                                        <p:tgtEl>
+                                          <p:spTgt spid="7"/>
+                                        </p:tgtEl>
+                                        <p:attrNameLst>
+                                          <p:attrName>style.visibility</p:attrName>
+                                        </p:attrNameLst>
+                                      </p:cBhvr>
+                                      <p:to>
+                                        <p:strVal val="visible"/>
+                                      </p:to>
+                                    </p:set>
+                                    <p:anim calcmode="lin" valueType="num">
+                                      <p:cBhvr additive="base">
+                                        <p:cTn id="29" dur="500" fill="hold"/>
+                                        <p:tgtEl>
+                                          <p:spTgt spid="7"/>
+                                        </p:tgtEl>
+                                        <p:attrNameLst>
+                                          <p:attrName>ppt_x</p:attrName>
+                                        </p:attrNameLst>
+                                      </p:cBhvr>
+                                      <p:tavLst>
+                                        <p:tav tm="0">
+                                          <p:val>
+                                            <p:strVal val="0-#ppt_w/2"/>
+                                          </p:val>
+                                        </p:tav>
+                                        <p:tav tm="100000">
+                                          <p:val>
+                                            <p:strVal val="#ppt_x"/>
+                                          </p:val>
+                                        </p:tav>
+                                      </p:tavLst>
+                                    </p:anim>
+                                    <p:anim calcmode="lin" valueType="num">
+                                      <p:cBhvr additive="base">
+                                        <p:cTn id="30" dur="500" fill="hold"/>
+                                        <p:tgtEl>
+                                          <p:spTgt spid="7"/>
+                                        </p:tgtEl>
+                                        <p:attrNameLst>
+                                          <p:attrName>ppt_y</p:attrName>
+                                        </p:attrNameLst>
+                                      </p:cBhvr>
+                                      <p:tavLst>
+                                        <p:tav tm="0">
+                                          <p:val>
+                                            <p:strVal val="#ppt_y"/>
+                                          </p:val>
+                                        </p:tav>
+                                        <p:tav tm="100000">
+                                          <p:val>
+                                            <p:strVal val="#ppt_y"/>
+                                          </p:val>
+                                        </p:tav>
+                                      </p:tavLst>
+                                    </p:anim>
+                                  </p:childTnLst>
+                                </p:cTn>
+                              </p:par>
+                            </p:childTnLst>
+                          </p:cTn>
+                        </p:par>
+                      </p:childTnLst>
+                    </p:cTn>
+                  </p:par>
+                  <p:par>
+                    <p:cTn id="31" fill="hold">
+                      <p:stCondLst>
+                        <p:cond delay="indefinite"/>
+                      </p:stCondLst>
+                      <p:childTnLst>
+                        <p:par>
+                          <p:cTn id="32" fill="hold">
+                            <p:stCondLst>
+                              <p:cond delay="0"/>
+                            </p:stCondLst>
+                            <p:childTnLst>
+                              <p:par>
+                                <p:cTn id="33" presetID="2" presetClass="entr" presetSubtype="8" fill="hold" grpId="0" nodeType="clickEffect">
+                                  <p:stCondLst>
+                                    <p:cond delay="0"/>
+                                  </p:stCondLst>
+                                  <p:childTnLst>
+                                    <p:set>
+                                      <p:cBhvr>
+                                        <p:cTn id="34" dur="1" fill="hold">
+                                          <p:stCondLst>
+                                            <p:cond delay="0"/>
+                                          </p:stCondLst>
+                                        </p:cTn>
+                                        <p:tgtEl>
+                                          <p:spTgt spid="6"/>
+                                        </p:tgtEl>
+                                        <p:attrNameLst>
+                                          <p:attrName>style.visibility</p:attrName>
+                                        </p:attrNameLst>
+                                      </p:cBhvr>
+                                      <p:to>
+                                        <p:strVal val="visible"/>
+                                      </p:to>
+                                    </p:set>
+                                    <p:anim calcmode="lin" valueType="num">
+                                      <p:cBhvr additive="base">
+                                        <p:cTn id="35" dur="500" fill="hold"/>
+                                        <p:tgtEl>
+                                          <p:spTgt spid="6"/>
+                                        </p:tgtEl>
+                                        <p:attrNameLst>
+                                          <p:attrName>ppt_x</p:attrName>
+                                        </p:attrNameLst>
+                                      </p:cBhvr>
+                                      <p:tavLst>
+                                        <p:tav tm="0">
+                                          <p:val>
+                                            <p:strVal val="0-#ppt_w/2"/>
+                                          </p:val>
+                                        </p:tav>
+                                        <p:tav tm="100000">
+                                          <p:val>
+                                            <p:strVal val="#ppt_x"/>
+                                          </p:val>
+                                        </p:tav>
+                                      </p:tavLst>
+                                    </p:anim>
+                                    <p:anim calcmode="lin" valueType="num">
+                                      <p:cBhvr additive="base">
+                                        <p:cTn id="36" dur="500" fill="hold"/>
+                                        <p:tgtEl>
+                                          <p:spTgt spid="6"/>
+                                        </p:tgtEl>
+                                        <p:attrNameLst>
+                                          <p:attrName>ppt_y</p:attrName>
+                                        </p:attrNameLst>
+                                      </p:cBhvr>
+                                      <p:tavLst>
+                                        <p:tav tm="0">
+                                          <p:val>
+                                            <p:strVal val="#ppt_y"/>
+                                          </p:val>
+                                        </p:tav>
+                                        <p:tav tm="100000">
+                                          <p:val>
+                                            <p:strVal val="#ppt_y"/>
+                                          </p:val>
+                                        </p:tav>
+                                      </p:tavLst>
+                                    </p:anim>
+                                  </p:childTnLst>
+                                </p:cTn>
+                              </p:par>
+                            </p:childTnLst>
+                          </p:cTn>
+                        </p:par>
+                      </p:childTnLst>
+                    </p:cTn>
+                  </p:par>
+                </p:childTnLst>
+              </p:cTn>
+              <p:prevCondLst>
+                <p:cond evt="onPrev" delay="0">
+                  <p:tgtEl>
+                    <p:sldTgt/>
+                  </p:tgtEl>
+                </p:cond>
+              </p:prevCondLst>
+              <p:nextCondLst>
+                <p:cond evt="onNext" delay="0">
+                  <p:tgtEl>
+                    <p:sldTgt/>
+                  </p:tgtEl>
+                </p:cond>
+              </p:nextCondLst>
+            </p:seq>
+          </p:childTnLst>
+        </p:cTn>
+      </p:par>
+    </p:tnLst>
+    <p:bldLst>
+      <p:bldP spid="2" grpId="0"/>
+      <p:bldP spid="5" grpId="0"/>
+      <p:bldP spid="6" grpId="0"/>
+      <p:bldP spid="7" grpId="0"/>
+      <p:bldP spid="9" grpId="0"/>
+      <p:bldP spid="10" grpId="0"/>
+    </p:bldLst>
+  </p:timing>
 </p:sld>
 </file>
 
@@ -7015,6 +7500,89 @@
   <p:clrMapOvr>
     <a:masterClrMapping/>
   </p:clrMapOvr>
+  <p:timing>
+    <p:tnLst>
+      <p:par>
+        <p:cTn id="1" dur="indefinite" restart="never" nodeType="tmRoot">
+          <p:childTnLst>
+            <p:seq concurrent="1" nextAc="seek">
+              <p:cTn id="2" dur="indefinite" nodeType="mainSeq">
+                <p:childTnLst>
+                  <p:par>
+                    <p:cTn id="3" fill="hold">
+                      <p:stCondLst>
+                        <p:cond delay="indefinite"/>
+                      </p:stCondLst>
+                      <p:childTnLst>
+                        <p:par>
+                          <p:cTn id="4" fill="hold">
+                            <p:stCondLst>
+                              <p:cond delay="0"/>
+                            </p:stCondLst>
+                            <p:childTnLst>
+                              <p:par>
+                                <p:cTn id="5" presetID="22" presetClass="entr" presetSubtype="8" fill="hold" nodeType="clickEffect">
+                                  <p:stCondLst>
+                                    <p:cond delay="0"/>
+                                  </p:stCondLst>
+                                  <p:childTnLst>
+                                    <p:set>
+                                      <p:cBhvr>
+                                        <p:cTn id="6" dur="1" fill="hold">
+                                          <p:stCondLst>
+                                            <p:cond delay="0"/>
+                                          </p:stCondLst>
+                                        </p:cTn>
+                                        <p:tgtEl>
+                                          <p:spTgt spid="10"/>
+                                        </p:tgtEl>
+                                        <p:attrNameLst>
+                                          <p:attrName>style.visibility</p:attrName>
+                                        </p:attrNameLst>
+                                      </p:cBhvr>
+                                      <p:to>
+                                        <p:strVal val="visible"/>
+                                      </p:to>
+                                    </p:set>
+                                    <p:animEffect transition="in" filter="wipe(left)">
+                                      <p:cBhvr>
+                                        <p:cTn id="7" dur="500"/>
+                                        <p:tgtEl>
+                                          <p:spTgt spid="10"/>
+                                        </p:tgtEl>
+                                      </p:cBhvr>
+                                    </p:animEffect>
+                                  </p:childTnLst>
+                                </p:cTn>
+                              </p:par>
+                            </p:childTnLst>
+                          </p:cTn>
+                        </p:par>
+                      </p:childTnLst>
+                    </p:cTn>
+                  </p:par>
+                </p:childTnLst>
+              </p:cTn>
+              <p:prevCondLst>
+                <p:cond evt="onPrev" delay="0">
+                  <p:tgtEl>
+                    <p:sldTgt/>
+                  </p:tgtEl>
+                </p:cond>
+              </p:prevCondLst>
+              <p:nextCondLst>
+                <p:cond evt="onNext" delay="0">
+                  <p:tgtEl>
+                    <p:sldTgt/>
+                  </p:tgtEl>
+                </p:cond>
+              </p:nextCondLst>
+            </p:seq>
+          </p:childTnLst>
+        </p:cTn>
+      </p:par>
+    </p:tnLst>
+  </p:timing>
 </p:sld>
 </file>
 
@@ -8159,7 +8727,7 @@
         </p:blipFill>
         <p:spPr>
           <a:xfrm>
-            <a:off x="5341434" y="0"/>
+            <a:off x="5341434" y="7434"/>
             <a:ext cx="6850566" cy="6850566"/>
           </a:xfrm>
           <a:prstGeom prst="rect">
@@ -8175,8 +8743,8 @@
         </p:nvSpPr>
         <p:spPr>
           <a:xfrm>
-            <a:off x="0" y="428178"/>
-            <a:ext cx="5341434" cy="5632311"/>
+            <a:off x="48651" y="3975645"/>
+            <a:ext cx="5341434" cy="830997"/>
           </a:xfrm>
           <a:prstGeom prst="rect">
             <a:avLst/>
@@ -8190,6 +8758,44 @@
           <a:lstStyle/>
           <a:p>
             <a:r>
+              <a:rPr kumimoji="1" lang="en-US" altLang="ja-JP" sz="2400" dirty="0" smtClean="0"/>
+              <a:t>AP</a:t>
+            </a:r>
+            <a:r>
+              <a:rPr kumimoji="1" lang="ja-JP" altLang="en-US" sz="2400" dirty="0"/>
+              <a:t>もしくは資源を消費してユニットを召喚する</a:t>
+            </a:r>
+            <a:r>
+              <a:rPr kumimoji="1" lang="ja-JP" altLang="en-US" sz="2400" dirty="0" smtClean="0"/>
+              <a:t>。</a:t>
+            </a:r>
+            <a:endParaRPr kumimoji="1" lang="en-US" altLang="ja-JP" sz="2400" dirty="0"/>
+          </a:p>
+        </p:txBody>
+      </p:sp>
+      <p:sp>
+        <p:nvSpPr>
+          <p:cNvPr id="4" name="テキスト ボックス 3"/>
+          <p:cNvSpPr txBox="1"/>
+          <p:nvPr/>
+        </p:nvSpPr>
+        <p:spPr>
+          <a:xfrm>
+            <a:off x="48651" y="88714"/>
+            <a:ext cx="5578771" cy="3416320"/>
+          </a:xfrm>
+          <a:prstGeom prst="rect">
+            <a:avLst/>
+          </a:prstGeom>
+          <a:noFill/>
+        </p:spPr>
+        <p:txBody>
+          <a:bodyPr wrap="none" rtlCol="0">
+            <a:spAutoFit/>
+          </a:bodyPr>
+          <a:lstStyle/>
+          <a:p>
+            <a:r>
               <a:rPr kumimoji="1" lang="ja-JP" altLang="en-US" sz="2400" dirty="0"/>
               <a:t>兵種</a:t>
             </a:r>
@@ -8201,7 +8807,15 @@
           <a:p>
             <a:r>
               <a:rPr kumimoji="1" lang="ja-JP" altLang="en-US" sz="2400" dirty="0"/>
-              <a:t>剣士、弓兵、カタパルトの</a:t>
+              <a:t>歩兵</a:t>
+            </a:r>
+            <a:r>
+              <a:rPr kumimoji="1" lang="ja-JP" altLang="en-US" sz="2400" dirty="0" smtClean="0"/>
+              <a:t>、</a:t>
+            </a:r>
+            <a:r>
+              <a:rPr kumimoji="1" lang="ja-JP" altLang="en-US" sz="2400" dirty="0"/>
+              <a:t>弓兵、カタパルトの</a:t>
             </a:r>
             <a:r>
               <a:rPr kumimoji="1" lang="en-US" altLang="ja-JP" sz="2400" dirty="0"/>
@@ -8219,40 +8833,81 @@
           <a:p>
             <a:r>
               <a:rPr kumimoji="1" lang="ja-JP" altLang="en-US" sz="2400" dirty="0"/>
-              <a:t>剣士←弓兵←カタパルト←剣士</a:t>
+              <a:t>歩兵</a:t>
+            </a:r>
+            <a:r>
+              <a:rPr kumimoji="1" lang="ja-JP" altLang="en-US" sz="2400" dirty="0" smtClean="0"/>
+              <a:t>←</a:t>
+            </a:r>
+            <a:r>
+              <a:rPr kumimoji="1" lang="ja-JP" altLang="en-US" sz="2400" dirty="0"/>
+              <a:t>弓兵←カタパルト</a:t>
+            </a:r>
+            <a:r>
+              <a:rPr kumimoji="1" lang="ja-JP" altLang="en-US" sz="2400" dirty="0" smtClean="0"/>
+              <a:t>←</a:t>
+            </a:r>
+            <a:r>
+              <a:rPr kumimoji="1" lang="ja-JP" altLang="en-US" sz="2400" dirty="0"/>
+              <a:t>歩兵</a:t>
             </a:r>
             <a:endParaRPr kumimoji="1" lang="en-US" altLang="ja-JP" sz="2400" dirty="0"/>
           </a:p>
           <a:p>
             <a:r>
               <a:rPr kumimoji="1" lang="ja-JP" altLang="en-US" sz="2400" dirty="0"/>
-              <a:t>の順で相性が良い。</a:t>
+              <a:t>の順で相性が良い</a:t>
+            </a:r>
+            <a:r>
+              <a:rPr kumimoji="1" lang="ja-JP" altLang="en-US" sz="2400" dirty="0" smtClean="0"/>
+              <a:t>。</a:t>
+            </a:r>
+            <a:endParaRPr kumimoji="1" lang="en-US" altLang="ja-JP" sz="2400" dirty="0" smtClean="0"/>
+          </a:p>
+          <a:p>
+            <a:endParaRPr kumimoji="1" lang="en-US" altLang="ja-JP" sz="2400" dirty="0" smtClean="0"/>
+          </a:p>
+          <a:p>
+            <a:r>
+              <a:rPr kumimoji="1" lang="ja-JP" altLang="en-US" sz="2400" dirty="0"/>
+              <a:t>歩兵</a:t>
+            </a:r>
+            <a:r>
+              <a:rPr kumimoji="1" lang="ja-JP" altLang="en-US" sz="2400" dirty="0" smtClean="0"/>
+              <a:t>のみ城を攻撃できないが</a:t>
+            </a:r>
+            <a:endParaRPr kumimoji="1" lang="en-US" altLang="ja-JP" sz="2400" dirty="0" smtClean="0"/>
+          </a:p>
+          <a:p>
+            <a:r>
+              <a:rPr kumimoji="1" lang="ja-JP" altLang="en-US" sz="2400" dirty="0" smtClean="0"/>
+              <a:t>　資源は歩兵のみ回収可能。</a:t>
             </a:r>
             <a:endParaRPr kumimoji="1" lang="en-US" altLang="ja-JP" sz="2400" dirty="0"/>
           </a:p>
-          <a:p>
-            <a:endParaRPr kumimoji="1" lang="en-US" altLang="ja-JP" sz="2400" dirty="0"/>
-          </a:p>
-          <a:p>
-            <a:endParaRPr kumimoji="1" lang="en-US" altLang="ja-JP" sz="2400" dirty="0"/>
-          </a:p>
-          <a:p>
-            <a:r>
-              <a:rPr kumimoji="1" lang="en-US" altLang="ja-JP" sz="2400" dirty="0"/>
-              <a:t>AP</a:t>
-            </a:r>
-            <a:r>
-              <a:rPr kumimoji="1" lang="ja-JP" altLang="en-US" sz="2400" dirty="0"/>
-              <a:t>もしくは資源を消費してユニットを召喚する。</a:t>
-            </a:r>
-            <a:endParaRPr kumimoji="1" lang="en-US" altLang="ja-JP" sz="2400" dirty="0"/>
-          </a:p>
-          <a:p>
-            <a:endParaRPr kumimoji="1" lang="en-US" altLang="ja-JP" sz="2400" dirty="0"/>
-          </a:p>
-          <a:p>
-            <a:endParaRPr kumimoji="1" lang="en-US" altLang="ja-JP" sz="2400" dirty="0"/>
-          </a:p>
+        </p:txBody>
+      </p:sp>
+      <p:sp>
+        <p:nvSpPr>
+          <p:cNvPr id="5" name="テキスト ボックス 4"/>
+          <p:cNvSpPr txBox="1"/>
+          <p:nvPr/>
+        </p:nvSpPr>
+        <p:spPr>
+          <a:xfrm>
+            <a:off x="0" y="5348092"/>
+            <a:ext cx="5872120" cy="1200329"/>
+          </a:xfrm>
+          <a:prstGeom prst="rect">
+            <a:avLst/>
+          </a:prstGeom>
+          <a:noFill/>
+        </p:spPr>
+        <p:txBody>
+          <a:bodyPr wrap="none" rtlCol="0">
+            <a:spAutoFit/>
+          </a:bodyPr>
+          <a:lstStyle/>
           <a:p>
             <a:r>
               <a:rPr kumimoji="1" lang="ja-JP" altLang="en-US" sz="2400" dirty="0"/>
@@ -8264,7 +8919,7 @@
             </a:r>
             <a:r>
               <a:rPr kumimoji="1" lang="ja-JP" altLang="en-US" sz="2400" dirty="0"/>
-              <a:t>右下からスタート</a:t>
+              <a:t>右下の赤い所からスタート</a:t>
             </a:r>
             <a:r>
               <a:rPr kumimoji="1" lang="en-US" altLang="ja-JP" sz="2400" dirty="0"/>
@@ -8285,7 +8940,7 @@
             </a:r>
             <a:r>
               <a:rPr kumimoji="1" lang="ja-JP" altLang="en-US" sz="2400" dirty="0"/>
-              <a:t>左上</a:t>
+              <a:t>左上の青い所</a:t>
             </a:r>
             <a:r>
               <a:rPr kumimoji="1" lang="en-US" altLang="ja-JP" sz="2400" dirty="0"/>
@@ -8309,8 +8964,13 @@
             </a:r>
             <a:r>
               <a:rPr kumimoji="1" lang="ja-JP" altLang="en-US" sz="2400" dirty="0"/>
-              <a:t>にする。</a:t>
-            </a:r>
+              <a:t>にする</a:t>
+            </a:r>
+            <a:r>
+              <a:rPr kumimoji="1" lang="ja-JP" altLang="en-US" sz="2400" dirty="0" smtClean="0"/>
+              <a:t>。</a:t>
+            </a:r>
+            <a:endParaRPr kumimoji="1" lang="ja-JP" altLang="en-US" sz="2400" dirty="0"/>
           </a:p>
         </p:txBody>
       </p:sp>
@@ -8324,6 +8984,200 @@
   <p:clrMapOvr>
     <a:masterClrMapping/>
   </p:clrMapOvr>
+  <p:timing>
+    <p:tnLst>
+      <p:par>
+        <p:cTn id="1" dur="indefinite" restart="never" nodeType="tmRoot">
+          <p:childTnLst>
+            <p:seq concurrent="1" nextAc="seek">
+              <p:cTn id="2" dur="indefinite" nodeType="mainSeq">
+                <p:childTnLst>
+                  <p:par>
+                    <p:cTn id="3" fill="hold">
+                      <p:stCondLst>
+                        <p:cond delay="indefinite"/>
+                      </p:stCondLst>
+                      <p:childTnLst>
+                        <p:par>
+                          <p:cTn id="4" fill="hold">
+                            <p:stCondLst>
+                              <p:cond delay="0"/>
+                            </p:stCondLst>
+                            <p:childTnLst>
+                              <p:par>
+                                <p:cTn id="5" presetID="10" presetClass="entr" presetSubtype="0" fill="hold" grpId="0" nodeType="clickEffect">
+                                  <p:stCondLst>
+                                    <p:cond delay="0"/>
+                                  </p:stCondLst>
+                                  <p:childTnLst>
+                                    <p:set>
+                                      <p:cBhvr>
+                                        <p:cTn id="6" dur="1" fill="hold">
+                                          <p:stCondLst>
+                                            <p:cond delay="0"/>
+                                          </p:stCondLst>
+                                        </p:cTn>
+                                        <p:tgtEl>
+                                          <p:spTgt spid="4"/>
+                                        </p:tgtEl>
+                                        <p:attrNameLst>
+                                          <p:attrName>style.visibility</p:attrName>
+                                        </p:attrNameLst>
+                                      </p:cBhvr>
+                                      <p:to>
+                                        <p:strVal val="visible"/>
+                                      </p:to>
+                                    </p:set>
+                                    <p:animEffect transition="in" filter="fade">
+                                      <p:cBhvr>
+                                        <p:cTn id="7" dur="500"/>
+                                        <p:tgtEl>
+                                          <p:spTgt spid="4"/>
+                                        </p:tgtEl>
+                                      </p:cBhvr>
+                                    </p:animEffect>
+                                  </p:childTnLst>
+                                </p:cTn>
+                              </p:par>
+                            </p:childTnLst>
+                          </p:cTn>
+                        </p:par>
+                      </p:childTnLst>
+                    </p:cTn>
+                  </p:par>
+                  <p:par>
+                    <p:cTn id="8" fill="hold">
+                      <p:stCondLst>
+                        <p:cond delay="indefinite"/>
+                      </p:stCondLst>
+                      <p:childTnLst>
+                        <p:par>
+                          <p:cTn id="9" fill="hold">
+                            <p:stCondLst>
+                              <p:cond delay="0"/>
+                            </p:stCondLst>
+                            <p:childTnLst>
+                              <p:par>
+                                <p:cTn id="10" presetID="10" presetClass="entr" presetSubtype="0" fill="hold" grpId="0" nodeType="clickEffect">
+                                  <p:stCondLst>
+                                    <p:cond delay="0"/>
+                                  </p:stCondLst>
+                                  <p:childTnLst>
+                                    <p:set>
+                                      <p:cBhvr>
+                                        <p:cTn id="11" dur="1" fill="hold">
+                                          <p:stCondLst>
+                                            <p:cond delay="0"/>
+                                          </p:stCondLst>
+                                        </p:cTn>
+                                        <p:tgtEl>
+                                          <p:spTgt spid="3"/>
+                                        </p:tgtEl>
+                                        <p:attrNameLst>
+                                          <p:attrName>style.visibility</p:attrName>
+                                        </p:attrNameLst>
+                                      </p:cBhvr>
+                                      <p:to>
+                                        <p:strVal val="visible"/>
+                                      </p:to>
+                                    </p:set>
+                                    <p:animEffect transition="in" filter="fade">
+                                      <p:cBhvr>
+                                        <p:cTn id="12" dur="500"/>
+                                        <p:tgtEl>
+                                          <p:spTgt spid="3"/>
+                                        </p:tgtEl>
+                                      </p:cBhvr>
+                                    </p:animEffect>
+                                  </p:childTnLst>
+                                </p:cTn>
+                              </p:par>
+                            </p:childTnLst>
+                          </p:cTn>
+                        </p:par>
+                      </p:childTnLst>
+                    </p:cTn>
+                  </p:par>
+                  <p:par>
+                    <p:cTn id="13" fill="hold">
+                      <p:stCondLst>
+                        <p:cond delay="indefinite"/>
+                      </p:stCondLst>
+                      <p:childTnLst>
+                        <p:par>
+                          <p:cTn id="14" fill="hold">
+                            <p:stCondLst>
+                              <p:cond delay="0"/>
+                            </p:stCondLst>
+                            <p:childTnLst>
+                              <p:par>
+                                <p:cTn id="15" presetID="10" presetClass="entr" presetSubtype="0" fill="hold" grpId="0" nodeType="clickEffect">
+                                  <p:stCondLst>
+                                    <p:cond delay="0"/>
+                                  </p:stCondLst>
+                                  <p:childTnLst>
+                                    <p:set>
+                                      <p:cBhvr>
+                                        <p:cTn id="16" dur="1" fill="hold">
+                                          <p:stCondLst>
+                                            <p:cond delay="0"/>
+                                          </p:stCondLst>
+                                        </p:cTn>
+                                        <p:tgtEl>
+                                          <p:spTgt spid="5"/>
+                                        </p:tgtEl>
+                                        <p:attrNameLst>
+                                          <p:attrName>style.visibility</p:attrName>
+                                        </p:attrNameLst>
+                                      </p:cBhvr>
+                                      <p:to>
+                                        <p:strVal val="visible"/>
+                                      </p:to>
+                                    </p:set>
+                                    <p:animEffect transition="in" filter="fade">
+                                      <p:cBhvr>
+                                        <p:cTn id="17" dur="500"/>
+                                        <p:tgtEl>
+                                          <p:spTgt spid="5"/>
+                                        </p:tgtEl>
+                                      </p:cBhvr>
+                                    </p:animEffect>
+                                  </p:childTnLst>
+                                </p:cTn>
+                              </p:par>
+                            </p:childTnLst>
+                          </p:cTn>
+                        </p:par>
+                      </p:childTnLst>
+                    </p:cTn>
+                  </p:par>
+                </p:childTnLst>
+              </p:cTn>
+              <p:prevCondLst>
+                <p:cond evt="onPrev" delay="0">
+                  <p:tgtEl>
+                    <p:sldTgt/>
+                  </p:tgtEl>
+                </p:cond>
+              </p:prevCondLst>
+              <p:nextCondLst>
+                <p:cond evt="onNext" delay="0">
+                  <p:tgtEl>
+                    <p:sldTgt/>
+                  </p:tgtEl>
+                </p:cond>
+              </p:nextCondLst>
+            </p:seq>
+          </p:childTnLst>
+        </p:cTn>
+      </p:par>
+    </p:tnLst>
+    <p:bldLst>
+      <p:bldP spid="3" grpId="0"/>
+      <p:bldP spid="4" grpId="0"/>
+      <p:bldP spid="5" grpId="0"/>
+    </p:bldLst>
+  </p:timing>
 </p:sld>
 </file>
 
@@ -8390,6 +9244,13 @@
   <p:clrMapOvr>
     <a:masterClrMapping/>
   </p:clrMapOvr>
+  <p:timing>
+    <p:tnLst>
+      <p:par>
+        <p:cTn id="1" dur="indefinite" restart="never" nodeType="tmRoot"/>
+      </p:par>
+    </p:tnLst>
+  </p:timing>
 </p:sld>
 </file>
 
